--- a/database/slides/LAMB_OF_GOD_(MASS_OF_PEACE).pptx
+++ b/database/slides/LAMB_OF_GOD_(MASS_OF_PEACE).pptx
@@ -15448,7 +15448,7 @@
                   <a:schemeClr val="lt1"/>
                 </a:solidFill>
               </a:rPr>
-              <a:t>LAMB OF GOD- MASS OF PEACE</a:t>
+              <a:t>MASS OF PEACE</a:t>
             </a:r>
             <a:endParaRPr lang="en-US" sz="3000" b="1" u="sng" dirty="0">
               <a:solidFill>
@@ -15487,228 +15487,155 @@
           </a:bodyPr>
           <a:lstStyle/>
           <a:p>
-            <a:pPr marL="114300" lvl="0" indent="0" algn="l" rtl="0">
-              <a:spcBef>
-                <a:spcPts val="0"/>
-              </a:spcBef>
-              <a:spcAft>
-                <a:spcPts val="0"/>
-              </a:spcAft>
-              <a:buClr>
-                <a:srgbClr val="00FF00"/>
-              </a:buClr>
-              <a:buSzPts val="2000"/>
+            <a:pPr marL="114300" indent="0">
+              <a:lnSpc>
+                <a:spcPct val="100000"/>
+              </a:lnSpc>
+              <a:spcBef>
+                <a:spcPct val="0"/>
+              </a:spcBef>
+              <a:spcAft>
+                <a:spcPct val="0"/>
+              </a:spcAft>
               <a:buNone/>
             </a:pPr>
             <a:r>
-              <a:rPr lang="en-US" sz="3600" b="1" dirty="0">
+              <a:rPr lang="en-US" sz="4000" b="1" dirty="0">
                 <a:solidFill>
-                  <a:schemeClr val="lt1"/>
+                  <a:srgbClr val="FFFFFF"/>
                 </a:solidFill>
               </a:rPr>
-              <a:t>Lamb of God, O Jesus Christ,</a:t>
+              <a:t>Lamb of God O Jesus Christ, </a:t>
             </a:r>
           </a:p>
           <a:p>
-            <a:pPr marL="114300" lvl="0" indent="0" algn="l" rtl="0">
-              <a:spcBef>
-                <a:spcPts val="0"/>
-              </a:spcBef>
-              <a:spcAft>
-                <a:spcPts val="0"/>
-              </a:spcAft>
-              <a:buClr>
-                <a:srgbClr val="00FF00"/>
-              </a:buClr>
-              <a:buSzPts val="2000"/>
+            <a:pPr marL="114300" indent="0">
+              <a:lnSpc>
+                <a:spcPct val="100000"/>
+              </a:lnSpc>
+              <a:spcBef>
+                <a:spcPct val="0"/>
+              </a:spcBef>
+              <a:spcAft>
+                <a:spcPct val="0"/>
+              </a:spcAft>
               <a:buNone/>
             </a:pPr>
             <a:r>
-              <a:rPr lang="en-US" sz="3600" b="1" dirty="0">
+              <a:rPr lang="en-US" sz="4000" b="1" dirty="0">
                 <a:solidFill>
-                  <a:schemeClr val="lt1"/>
+                  <a:srgbClr val="FFFFFF"/>
                 </a:solidFill>
               </a:rPr>
-              <a:t>Take away the sins of all the world</a:t>
+              <a:t>You who take the sins of all the world,</a:t>
             </a:r>
           </a:p>
           <a:p>
-            <a:pPr marL="114300" lvl="0" indent="0" algn="l" rtl="0">
-              <a:spcBef>
-                <a:spcPts val="0"/>
-              </a:spcBef>
-              <a:spcAft>
-                <a:spcPts val="0"/>
-              </a:spcAft>
-              <a:buClr>
-                <a:srgbClr val="00FF00"/>
-              </a:buClr>
-              <a:buSzPts val="2000"/>
+            <a:pPr marL="114300" indent="0">
+              <a:lnSpc>
+                <a:spcPct val="100000"/>
+              </a:lnSpc>
+              <a:spcBef>
+                <a:spcPct val="0"/>
+              </a:spcBef>
+              <a:spcAft>
+                <a:spcPct val="0"/>
+              </a:spcAft>
               <a:buNone/>
             </a:pPr>
             <a:r>
-              <a:rPr lang="en-US" sz="3600" b="1" dirty="0">
+              <a:rPr lang="en-US" sz="4000" b="1" dirty="0">
                 <a:solidFill>
-                  <a:schemeClr val="lt1"/>
+                  <a:srgbClr val="FFFFFF"/>
                 </a:solidFill>
               </a:rPr>
-              <a:t>Give us mercy Lamb of God, </a:t>
+              <a:t>Show us mercy, Lamb of God (2)</a:t>
             </a:r>
           </a:p>
           <a:p>
-            <a:pPr marL="114300" lvl="0" indent="0" algn="l" rtl="0">
-              <a:spcBef>
-                <a:spcPts val="0"/>
-              </a:spcBef>
-              <a:spcAft>
-                <a:spcPts val="0"/>
-              </a:spcAft>
-              <a:buClr>
-                <a:srgbClr val="00FF00"/>
-              </a:buClr>
-              <a:buSzPts val="2000"/>
+            <a:pPr marL="114300" indent="0">
+              <a:lnSpc>
+                <a:spcPct val="100000"/>
+              </a:lnSpc>
+              <a:spcBef>
+                <a:spcPct val="0"/>
+              </a:spcBef>
+              <a:spcAft>
+                <a:spcPct val="0"/>
+              </a:spcAft>
               <a:buNone/>
             </a:pPr>
-            <a:r>
-              <a:rPr lang="en-US" sz="3600" b="1" dirty="0">
-                <a:solidFill>
-                  <a:schemeClr val="lt1"/>
-                </a:solidFill>
-              </a:rPr>
-              <a:t>Give us mercy Lamb of God</a:t>
-            </a:r>
-          </a:p>
-          <a:p>
-            <a:pPr marL="114300" lvl="0" indent="0" algn="l" rtl="0">
-              <a:spcBef>
-                <a:spcPts val="0"/>
-              </a:spcBef>
-              <a:spcAft>
-                <a:spcPts val="0"/>
-              </a:spcAft>
-              <a:buClr>
-                <a:srgbClr val="00FF00"/>
-              </a:buClr>
-              <a:buSzPts val="2000"/>
-              <a:buNone/>
-            </a:pPr>
-            <a:endParaRPr lang="en-US" sz="3600" b="1" dirty="0">
+            <a:endParaRPr lang="en-US" sz="4000" b="1" dirty="0">
               <a:solidFill>
-                <a:schemeClr val="lt1"/>
+                <a:srgbClr val="FFFFFF"/>
               </a:solidFill>
             </a:endParaRPr>
           </a:p>
           <a:p>
-            <a:pPr marL="114300" lvl="0" indent="0" algn="l" rtl="0">
-              <a:spcBef>
-                <a:spcPts val="0"/>
-              </a:spcBef>
-              <a:spcAft>
-                <a:spcPts val="0"/>
-              </a:spcAft>
-              <a:buClr>
-                <a:srgbClr val="00FF00"/>
-              </a:buClr>
-              <a:buSzPts val="2000"/>
+            <a:pPr marL="114300" indent="0">
+              <a:lnSpc>
+                <a:spcPct val="100000"/>
+              </a:lnSpc>
+              <a:spcBef>
+                <a:spcPct val="0"/>
+              </a:spcBef>
+              <a:spcAft>
+                <a:spcPct val="0"/>
+              </a:spcAft>
               <a:buNone/>
             </a:pPr>
             <a:r>
-              <a:rPr lang="en-US" sz="3600" b="1" dirty="0">
+              <a:rPr lang="en-US" sz="4000" b="1" dirty="0">
                 <a:solidFill>
-                  <a:schemeClr val="lt1"/>
+                  <a:srgbClr val="FFFFFF"/>
                 </a:solidFill>
               </a:rPr>
-              <a:t>Lamb of God, O Jesus Christ,</a:t>
+              <a:t>Lamb of God O Jesus Christ, </a:t>
             </a:r>
           </a:p>
           <a:p>
-            <a:pPr marL="114300" lvl="0" indent="0" algn="l" rtl="0">
-              <a:spcBef>
-                <a:spcPts val="0"/>
-              </a:spcBef>
-              <a:spcAft>
-                <a:spcPts val="0"/>
-              </a:spcAft>
-              <a:buClr>
-                <a:srgbClr val="00FF00"/>
-              </a:buClr>
-              <a:buSzPts val="2000"/>
+            <a:pPr marL="114300" indent="0">
+              <a:lnSpc>
+                <a:spcPct val="100000"/>
+              </a:lnSpc>
+              <a:spcBef>
+                <a:spcPct val="0"/>
+              </a:spcBef>
+              <a:spcAft>
+                <a:spcPct val="0"/>
+              </a:spcAft>
               <a:buNone/>
             </a:pPr>
             <a:r>
-              <a:rPr lang="en-US" sz="3600" b="1" dirty="0">
+              <a:rPr lang="en-US" sz="4000" b="1" dirty="0">
                 <a:solidFill>
-                  <a:schemeClr val="lt1"/>
+                  <a:srgbClr val="FFFFFF"/>
                 </a:solidFill>
               </a:rPr>
-              <a:t>Take away the sins of all the world</a:t>
+              <a:t>You who take the sins of all the world,</a:t>
             </a:r>
           </a:p>
           <a:p>
-            <a:pPr marL="114300" lvl="0" indent="0" algn="l" rtl="0">
-              <a:spcBef>
-                <a:spcPts val="0"/>
-              </a:spcBef>
-              <a:spcAft>
-                <a:spcPts val="0"/>
-              </a:spcAft>
-              <a:buClr>
-                <a:srgbClr val="00FF00"/>
-              </a:buClr>
-              <a:buSzPts val="2000"/>
+            <a:pPr marL="114300" indent="0">
+              <a:lnSpc>
+                <a:spcPct val="100000"/>
+              </a:lnSpc>
+              <a:spcBef>
+                <a:spcPct val="0"/>
+              </a:spcBef>
+              <a:spcAft>
+                <a:spcPct val="0"/>
+              </a:spcAft>
               <a:buNone/>
             </a:pPr>
             <a:r>
-              <a:rPr lang="en-US" sz="3600" b="1" dirty="0">
+              <a:rPr lang="en-US" sz="4000" b="1" dirty="0">
                 <a:solidFill>
-                  <a:schemeClr val="lt1"/>
+                  <a:srgbClr val="FFFFFF"/>
                 </a:solidFill>
               </a:rPr>
-              <a:t>Grant us peace O Lamb of God, </a:t>
+              <a:t>Grant us peace, O Lamb of God (2)</a:t>
             </a:r>
-          </a:p>
-          <a:p>
-            <a:pPr marL="114300" lvl="0" indent="0" algn="l" rtl="0">
-              <a:spcBef>
-                <a:spcPts val="0"/>
-              </a:spcBef>
-              <a:spcAft>
-                <a:spcPts val="0"/>
-              </a:spcAft>
-              <a:buClr>
-                <a:srgbClr val="00FF00"/>
-              </a:buClr>
-              <a:buSzPts val="2000"/>
-              <a:buNone/>
-            </a:pPr>
-            <a:r>
-              <a:rPr lang="en-US" sz="3600" b="1" dirty="0">
-                <a:solidFill>
-                  <a:schemeClr val="lt1"/>
-                </a:solidFill>
-              </a:rPr>
-              <a:t>Grant us peace O Lamb of God</a:t>
-            </a:r>
-          </a:p>
-          <a:p>
-            <a:pPr marL="114300" lvl="0" indent="0" algn="l" rtl="0">
-              <a:spcBef>
-                <a:spcPts val="0"/>
-              </a:spcBef>
-              <a:spcAft>
-                <a:spcPts val="0"/>
-              </a:spcAft>
-              <a:buClr>
-                <a:srgbClr val="00FF00"/>
-              </a:buClr>
-              <a:buSzPts val="2000"/>
-              <a:buNone/>
-            </a:pPr>
-            <a:endParaRPr lang="en-US" sz="3600" b="1" dirty="0">
-              <a:solidFill>
-                <a:schemeClr val="lt1"/>
-              </a:solidFill>
-            </a:endParaRPr>
           </a:p>
         </p:txBody>
       </p:sp>
